--- a/predavanja/prezentacije/IP05-01-PHP i MySQL.pptx
+++ b/predavanja/prezentacije/IP05-01-PHP i MySQL.pptx
@@ -239,7 +239,7 @@
           <a:p>
             <a:fld id="{6B3683FA-0560-4266-A2CA-8A7D404C35FD}" type="datetimeFigureOut">
               <a:rPr lang="en-US" smtClean="0"/>
-              <a:t>10/2/2016</a:t>
+              <a:t>10/22/2018</a:t>
             </a:fld>
             <a:endParaRPr lang="en-US"/>
           </a:p>
